--- a/355 - Open My Eyes, Oh Lord.pptx
+++ b/355 - Open My Eyes, Oh Lord.pptx
@@ -242,7 +242,7 @@
           <a:p>
             <a:fld id="{32F7251A-AE54-443C-B8FE-5F636E835EBF}" type="datetimeFigureOut">
               <a:rPr lang="en-US" smtClean="0"/>
-              <a:t>8/18/2019</a:t>
+              <a:t>8/30/2020</a:t>
             </a:fld>
             <a:endParaRPr lang="en-US"/>
           </a:p>
@@ -410,7 +410,7 @@
           <a:p>
             <a:fld id="{32F7251A-AE54-443C-B8FE-5F636E835EBF}" type="datetimeFigureOut">
               <a:rPr lang="en-US" smtClean="0"/>
-              <a:t>8/18/2019</a:t>
+              <a:t>8/30/2020</a:t>
             </a:fld>
             <a:endParaRPr lang="en-US"/>
           </a:p>
@@ -588,7 +588,7 @@
           <a:p>
             <a:fld id="{32F7251A-AE54-443C-B8FE-5F636E835EBF}" type="datetimeFigureOut">
               <a:rPr lang="en-US" smtClean="0"/>
-              <a:t>8/18/2019</a:t>
+              <a:t>8/30/2020</a:t>
             </a:fld>
             <a:endParaRPr lang="en-US"/>
           </a:p>
@@ -756,7 +756,7 @@
           <a:p>
             <a:fld id="{32F7251A-AE54-443C-B8FE-5F636E835EBF}" type="datetimeFigureOut">
               <a:rPr lang="en-US" smtClean="0"/>
-              <a:t>8/18/2019</a:t>
+              <a:t>8/30/2020</a:t>
             </a:fld>
             <a:endParaRPr lang="en-US"/>
           </a:p>
@@ -1001,7 +1001,7 @@
           <a:p>
             <a:fld id="{32F7251A-AE54-443C-B8FE-5F636E835EBF}" type="datetimeFigureOut">
               <a:rPr lang="en-US" smtClean="0"/>
-              <a:t>8/18/2019</a:t>
+              <a:t>8/30/2020</a:t>
             </a:fld>
             <a:endParaRPr lang="en-US"/>
           </a:p>
@@ -1230,7 +1230,7 @@
           <a:p>
             <a:fld id="{32F7251A-AE54-443C-B8FE-5F636E835EBF}" type="datetimeFigureOut">
               <a:rPr lang="en-US" smtClean="0"/>
-              <a:t>8/18/2019</a:t>
+              <a:t>8/30/2020</a:t>
             </a:fld>
             <a:endParaRPr lang="en-US"/>
           </a:p>
@@ -1594,7 +1594,7 @@
           <a:p>
             <a:fld id="{32F7251A-AE54-443C-B8FE-5F636E835EBF}" type="datetimeFigureOut">
               <a:rPr lang="en-US" smtClean="0"/>
-              <a:t>8/18/2019</a:t>
+              <a:t>8/30/2020</a:t>
             </a:fld>
             <a:endParaRPr lang="en-US"/>
           </a:p>
@@ -1711,7 +1711,7 @@
           <a:p>
             <a:fld id="{32F7251A-AE54-443C-B8FE-5F636E835EBF}" type="datetimeFigureOut">
               <a:rPr lang="en-US" smtClean="0"/>
-              <a:t>8/18/2019</a:t>
+              <a:t>8/30/2020</a:t>
             </a:fld>
             <a:endParaRPr lang="en-US"/>
           </a:p>
@@ -1806,7 +1806,7 @@
           <a:p>
             <a:fld id="{32F7251A-AE54-443C-B8FE-5F636E835EBF}" type="datetimeFigureOut">
               <a:rPr lang="en-US" smtClean="0"/>
-              <a:t>8/18/2019</a:t>
+              <a:t>8/30/2020</a:t>
             </a:fld>
             <a:endParaRPr lang="en-US"/>
           </a:p>
@@ -2081,7 +2081,7 @@
           <a:p>
             <a:fld id="{32F7251A-AE54-443C-B8FE-5F636E835EBF}" type="datetimeFigureOut">
               <a:rPr lang="en-US" smtClean="0"/>
-              <a:t>8/18/2019</a:t>
+              <a:t>8/30/2020</a:t>
             </a:fld>
             <a:endParaRPr lang="en-US"/>
           </a:p>
@@ -2333,7 +2333,7 @@
           <a:p>
             <a:fld id="{32F7251A-AE54-443C-B8FE-5F636E835EBF}" type="datetimeFigureOut">
               <a:rPr lang="en-US" smtClean="0"/>
-              <a:t>8/18/2019</a:t>
+              <a:t>8/30/2020</a:t>
             </a:fld>
             <a:endParaRPr lang="en-US"/>
           </a:p>
@@ -2400,7 +2400,9 @@
     <p:bg>
       <p:bgPr>
         <a:solidFill>
-          <a:srgbClr val="333333"/>
+          <a:schemeClr val="bg1">
+            <a:lumMod val="10000"/>
+          </a:schemeClr>
         </a:solidFill>
         <a:effectLst/>
       </p:bgPr>
@@ -2547,7 +2549,7 @@
           <a:p>
             <a:fld id="{32F7251A-AE54-443C-B8FE-5F636E835EBF}" type="datetimeFigureOut">
               <a:rPr lang="en-US" smtClean="0"/>
-              <a:t>8/18/2019</a:t>
+              <a:t>8/30/2020</a:t>
             </a:fld>
             <a:endParaRPr lang="en-US"/>
           </a:p>
@@ -3017,8 +3019,8 @@
         </p:nvSpPr>
         <p:spPr>
           <a:xfrm>
-            <a:off x="0" y="5804209"/>
-            <a:ext cx="12192000" cy="830997"/>
+            <a:off x="0" y="5927320"/>
+            <a:ext cx="12192000" cy="584775"/>
           </a:xfrm>
           <a:prstGeom prst="rect">
             <a:avLst/>
@@ -3033,10 +3035,12 @@
           <a:p>
             <a:pPr algn="ctr"/>
             <a:r>
-              <a:rPr lang="en-US" sz="4800" dirty="0">
+              <a:rPr lang="en-US" sz="3200" u="sng" dirty="0">
                 <a:solidFill>
                   <a:schemeClr val="bg1"/>
                 </a:solidFill>
+                <a:latin typeface="Assistant SemiBold" panose="00000700000000000000" pitchFamily="2" charset="-79"/>
+                <a:cs typeface="Assistant SemiBold" panose="00000700000000000000" pitchFamily="2" charset="-79"/>
               </a:rPr>
               <a:t>“Open My Eyes, Oh Lord”</a:t>
             </a:r>
@@ -3051,8 +3055,8 @@
         </p:nvSpPr>
         <p:spPr>
           <a:xfrm>
-            <a:off x="0" y="1297471"/>
-            <a:ext cx="12192000" cy="2308324"/>
+            <a:off x="0" y="1613118"/>
+            <a:ext cx="12192000" cy="1815882"/>
           </a:xfrm>
           <a:prstGeom prst="rect">
             <a:avLst/>
@@ -3067,10 +3071,12 @@
           <a:p>
             <a:pPr algn="ctr"/>
             <a:r>
-              <a:rPr lang="en-US" sz="3600" dirty="0">
+              <a:rPr lang="en-US" sz="2800" spc="50" dirty="0">
                 <a:solidFill>
                   <a:schemeClr val="bg1"/>
                 </a:solidFill>
+                <a:latin typeface="Assistant" panose="00000500000000000000" pitchFamily="2" charset="-79"/>
+                <a:cs typeface="Assistant" panose="00000500000000000000" pitchFamily="2" charset="-79"/>
               </a:rPr>
               <a:t>Open my eyes, oh Lord, That I may see</a:t>
             </a:r>
@@ -3078,10 +3084,12 @@
           <a:p>
             <a:pPr algn="ctr"/>
             <a:r>
-              <a:rPr lang="en-US" sz="3600" dirty="0">
+              <a:rPr lang="en-US" sz="2800" spc="50" dirty="0">
                 <a:solidFill>
                   <a:schemeClr val="bg1"/>
                 </a:solidFill>
+                <a:latin typeface="Assistant" panose="00000500000000000000" pitchFamily="2" charset="-79"/>
+                <a:cs typeface="Assistant" panose="00000500000000000000" pitchFamily="2" charset="-79"/>
               </a:rPr>
               <a:t>Whatever glimpse of truth Thou has for me.</a:t>
             </a:r>
@@ -3089,10 +3097,12 @@
           <a:p>
             <a:pPr algn="ctr"/>
             <a:r>
-              <a:rPr lang="en-US" sz="3600" dirty="0">
+              <a:rPr lang="en-US" sz="2800" spc="50" dirty="0">
                 <a:solidFill>
                   <a:schemeClr val="bg1"/>
                 </a:solidFill>
+                <a:latin typeface="Assistant" panose="00000500000000000000" pitchFamily="2" charset="-79"/>
+                <a:cs typeface="Assistant" panose="00000500000000000000" pitchFamily="2" charset="-79"/>
               </a:rPr>
               <a:t>Without Thy guiding help I shall not see;</a:t>
             </a:r>
@@ -3100,10 +3110,12 @@
           <a:p>
             <a:pPr algn="ctr"/>
             <a:r>
-              <a:rPr lang="en-US" sz="3600" dirty="0">
+              <a:rPr lang="en-US" sz="2800" spc="50" dirty="0">
                 <a:solidFill>
                   <a:schemeClr val="bg1"/>
                 </a:solidFill>
+                <a:latin typeface="Assistant" panose="00000500000000000000" pitchFamily="2" charset="-79"/>
+                <a:cs typeface="Assistant" panose="00000500000000000000" pitchFamily="2" charset="-79"/>
               </a:rPr>
               <a:t>Open my eyes oh Lord, illumine me.</a:t>
             </a:r>
@@ -3205,8 +3217,8 @@
         </p:nvSpPr>
         <p:spPr>
           <a:xfrm>
-            <a:off x="0" y="5804209"/>
-            <a:ext cx="12192000" cy="830997"/>
+            <a:off x="0" y="5927320"/>
+            <a:ext cx="12192000" cy="584775"/>
           </a:xfrm>
           <a:prstGeom prst="rect">
             <a:avLst/>
@@ -3221,10 +3233,12 @@
           <a:p>
             <a:pPr algn="ctr"/>
             <a:r>
-              <a:rPr lang="en-US" sz="4800" dirty="0">
+              <a:rPr lang="en-US" sz="3200" u="sng" dirty="0">
                 <a:solidFill>
                   <a:schemeClr val="bg1"/>
                 </a:solidFill>
+                <a:latin typeface="Assistant SemiBold" panose="00000700000000000000" pitchFamily="2" charset="-79"/>
+                <a:cs typeface="Assistant SemiBold" panose="00000700000000000000" pitchFamily="2" charset="-79"/>
               </a:rPr>
               <a:t>“Open My Eyes, Oh Lord”</a:t>
             </a:r>
@@ -3239,8 +3253,8 @@
         </p:nvSpPr>
         <p:spPr>
           <a:xfrm>
-            <a:off x="0" y="1297471"/>
-            <a:ext cx="12192000" cy="2862322"/>
+            <a:off x="0" y="1709371"/>
+            <a:ext cx="12192000" cy="2369880"/>
           </a:xfrm>
           <a:prstGeom prst="rect">
             <a:avLst/>
@@ -3255,10 +3269,12 @@
           <a:p>
             <a:pPr algn="ctr"/>
             <a:r>
-              <a:rPr lang="en-US" sz="3600" dirty="0">
+              <a:rPr lang="en-US" sz="2800" spc="50" dirty="0">
                 <a:solidFill>
                   <a:schemeClr val="bg1"/>
                 </a:solidFill>
+                <a:latin typeface="Assistant" panose="00000500000000000000" pitchFamily="2" charset="-79"/>
+                <a:cs typeface="Assistant" panose="00000500000000000000" pitchFamily="2" charset="-79"/>
               </a:rPr>
               <a:t>Onward I go, Oh Lord, on Zion’s way,</a:t>
             </a:r>
@@ -3266,10 +3282,12 @@
           <a:p>
             <a:pPr algn="ctr"/>
             <a:r>
-              <a:rPr lang="en-US" sz="3600" dirty="0">
+              <a:rPr lang="en-US" sz="2800" spc="50" dirty="0">
                 <a:solidFill>
                   <a:schemeClr val="bg1"/>
                 </a:solidFill>
+                <a:latin typeface="Assistant" panose="00000500000000000000" pitchFamily="2" charset="-79"/>
+                <a:cs typeface="Assistant" panose="00000500000000000000" pitchFamily="2" charset="-79"/>
               </a:rPr>
               <a:t>Read to meet the call of each new day.</a:t>
             </a:r>
@@ -3277,10 +3295,12 @@
           <a:p>
             <a:pPr algn="ctr"/>
             <a:r>
-              <a:rPr lang="en-US" sz="3600" dirty="0">
+              <a:rPr lang="en-US" sz="2800" spc="50" dirty="0">
                 <a:solidFill>
                   <a:schemeClr val="bg1"/>
                 </a:solidFill>
+                <a:latin typeface="Assistant" panose="00000500000000000000" pitchFamily="2" charset="-79"/>
+                <a:cs typeface="Assistant" panose="00000500000000000000" pitchFamily="2" charset="-79"/>
               </a:rPr>
               <a:t>New frontiers beckon me, known but to Thee,</a:t>
             </a:r>
@@ -3288,10 +3308,12 @@
           <a:p>
             <a:pPr algn="ctr"/>
             <a:r>
-              <a:rPr lang="en-US" sz="3600" dirty="0">
+              <a:rPr lang="en-US" sz="2800" spc="50" dirty="0">
                 <a:solidFill>
                   <a:schemeClr val="bg1"/>
                 </a:solidFill>
+                <a:latin typeface="Assistant" panose="00000500000000000000" pitchFamily="2" charset="-79"/>
+                <a:cs typeface="Assistant" panose="00000500000000000000" pitchFamily="2" charset="-79"/>
               </a:rPr>
               <a:t>And as I go, I’ll pray “Lord, lead Thou me!”</a:t>
             </a:r>
